--- a/presentation/FirstDraft_dmi.pptx
+++ b/presentation/FirstDraft_dmi.pptx
@@ -207,7 +207,7 @@
           <a:p>
             <a:fld id="{29B80C38-64E4-614A-B0AC-41CFFF53BCBA}" type="datetimeFigureOut">
               <a:rPr lang="de-DE" smtClean="0"/>
-              <a:t>05.12.15</a:t>
+              <a:t>07.12.15</a:t>
             </a:fld>
             <a:endParaRPr lang="en-US"/>
           </a:p>
@@ -788,7 +788,7 @@
           <a:p>
             <a:fld id="{233882B4-DF85-4741-9723-EED4756B632C}" type="datetimeFigureOut">
               <a:rPr lang="de-DE" smtClean="0"/>
-              <a:t>05.12.15</a:t>
+              <a:t>07.12.15</a:t>
             </a:fld>
             <a:endParaRPr lang="de-DE"/>
           </a:p>
@@ -958,7 +958,7 @@
           <a:p>
             <a:fld id="{233882B4-DF85-4741-9723-EED4756B632C}" type="datetimeFigureOut">
               <a:rPr lang="de-DE" smtClean="0"/>
-              <a:t>05.12.15</a:t>
+              <a:t>07.12.15</a:t>
             </a:fld>
             <a:endParaRPr lang="de-DE"/>
           </a:p>
@@ -1138,7 +1138,7 @@
           <a:p>
             <a:fld id="{233882B4-DF85-4741-9723-EED4756B632C}" type="datetimeFigureOut">
               <a:rPr lang="de-DE" smtClean="0"/>
-              <a:t>05.12.15</a:t>
+              <a:t>07.12.15</a:t>
             </a:fld>
             <a:endParaRPr lang="de-DE"/>
           </a:p>
@@ -1308,7 +1308,7 @@
           <a:p>
             <a:fld id="{233882B4-DF85-4741-9723-EED4756B632C}" type="datetimeFigureOut">
               <a:rPr lang="de-DE" smtClean="0"/>
-              <a:t>05.12.15</a:t>
+              <a:t>07.12.15</a:t>
             </a:fld>
             <a:endParaRPr lang="de-DE"/>
           </a:p>
@@ -1554,7 +1554,7 @@
           <a:p>
             <a:fld id="{233882B4-DF85-4741-9723-EED4756B632C}" type="datetimeFigureOut">
               <a:rPr lang="de-DE" smtClean="0"/>
-              <a:t>05.12.15</a:t>
+              <a:t>07.12.15</a:t>
             </a:fld>
             <a:endParaRPr lang="de-DE"/>
           </a:p>
@@ -1786,7 +1786,7 @@
           <a:p>
             <a:fld id="{233882B4-DF85-4741-9723-EED4756B632C}" type="datetimeFigureOut">
               <a:rPr lang="de-DE" smtClean="0"/>
-              <a:t>05.12.15</a:t>
+              <a:t>07.12.15</a:t>
             </a:fld>
             <a:endParaRPr lang="de-DE"/>
           </a:p>
@@ -2153,7 +2153,7 @@
           <a:p>
             <a:fld id="{233882B4-DF85-4741-9723-EED4756B632C}" type="datetimeFigureOut">
               <a:rPr lang="de-DE" smtClean="0"/>
-              <a:t>05.12.15</a:t>
+              <a:t>07.12.15</a:t>
             </a:fld>
             <a:endParaRPr lang="de-DE"/>
           </a:p>
@@ -2271,7 +2271,7 @@
           <a:p>
             <a:fld id="{233882B4-DF85-4741-9723-EED4756B632C}" type="datetimeFigureOut">
               <a:rPr lang="de-DE" smtClean="0"/>
-              <a:t>05.12.15</a:t>
+              <a:t>07.12.15</a:t>
             </a:fld>
             <a:endParaRPr lang="de-DE"/>
           </a:p>
@@ -2366,7 +2366,7 @@
           <a:p>
             <a:fld id="{233882B4-DF85-4741-9723-EED4756B632C}" type="datetimeFigureOut">
               <a:rPr lang="de-DE" smtClean="0"/>
-              <a:t>05.12.15</a:t>
+              <a:t>07.12.15</a:t>
             </a:fld>
             <a:endParaRPr lang="de-DE"/>
           </a:p>
@@ -2643,7 +2643,7 @@
           <a:p>
             <a:fld id="{233882B4-DF85-4741-9723-EED4756B632C}" type="datetimeFigureOut">
               <a:rPr lang="de-DE" smtClean="0"/>
-              <a:t>05.12.15</a:t>
+              <a:t>07.12.15</a:t>
             </a:fld>
             <a:endParaRPr lang="de-DE"/>
           </a:p>
@@ -2900,7 +2900,7 @@
           <a:p>
             <a:fld id="{233882B4-DF85-4741-9723-EED4756B632C}" type="datetimeFigureOut">
               <a:rPr lang="de-DE" smtClean="0"/>
-              <a:t>05.12.15</a:t>
+              <a:t>07.12.15</a:t>
             </a:fld>
             <a:endParaRPr lang="de-DE"/>
           </a:p>
@@ -3113,7 +3113,7 @@
           <a:p>
             <a:fld id="{233882B4-DF85-4741-9723-EED4756B632C}" type="datetimeFigureOut">
               <a:rPr lang="de-DE" smtClean="0"/>
-              <a:t>05.12.15</a:t>
+              <a:t>07.12.15</a:t>
             </a:fld>
             <a:endParaRPr lang="de-DE"/>
           </a:p>
@@ -7261,6 +7261,66 @@
       </p:grpSpPr>
       <p:pic>
         <p:nvPicPr>
+          <p:cNvPr id="14" name="Bild 13" descr="Bildschirmfoto 2015-12-07 um 15.34.48.png"/>
+          <p:cNvPicPr>
+            <a:picLocks noChangeAspect="1"/>
+          </p:cNvPicPr>
+          <p:nvPr/>
+        </p:nvPicPr>
+        <p:blipFill>
+          <a:blip r:embed="rId2">
+            <a:extLst>
+              <a:ext uri="{28A0092B-C50C-407E-A947-70E740481C1C}">
+                <a14:useLocalDpi xmlns:a14="http://schemas.microsoft.com/office/drawing/2010/main" val="0"/>
+              </a:ext>
+            </a:extLst>
+          </a:blip>
+          <a:stretch>
+            <a:fillRect/>
+          </a:stretch>
+        </p:blipFill>
+        <p:spPr>
+          <a:xfrm>
+            <a:off x="4401741" y="2646595"/>
+            <a:ext cx="1385299" cy="1075752"/>
+          </a:xfrm>
+          <a:prstGeom prst="rect">
+            <a:avLst/>
+          </a:prstGeom>
+        </p:spPr>
+      </p:pic>
+      <p:pic>
+        <p:nvPicPr>
+          <p:cNvPr id="7" name="Bild 6" descr="bosshappy.png"/>
+          <p:cNvPicPr>
+            <a:picLocks noChangeAspect="1"/>
+          </p:cNvPicPr>
+          <p:nvPr/>
+        </p:nvPicPr>
+        <p:blipFill>
+          <a:blip r:embed="rId3">
+            <a:extLst>
+              <a:ext uri="{28A0092B-C50C-407E-A947-70E740481C1C}">
+                <a14:useLocalDpi xmlns:a14="http://schemas.microsoft.com/office/drawing/2010/main" val="0"/>
+              </a:ext>
+            </a:extLst>
+          </a:blip>
+          <a:stretch>
+            <a:fillRect/>
+          </a:stretch>
+        </p:blipFill>
+        <p:spPr>
+          <a:xfrm>
+            <a:off x="7402082" y="3184471"/>
+            <a:ext cx="985164" cy="1332000"/>
+          </a:xfrm>
+          <a:prstGeom prst="rect">
+            <a:avLst/>
+          </a:prstGeom>
+        </p:spPr>
+      </p:pic>
+      <p:pic>
+        <p:nvPicPr>
           <p:cNvPr id="4" name="Bild 3" descr="Bildschirmfoto 2015-12-05 um 12.55.15.png"/>
           <p:cNvPicPr>
             <a:picLocks noChangeAspect="1"/>
@@ -7268,8 +7328,23 @@
           <p:nvPr/>
         </p:nvPicPr>
         <p:blipFill rotWithShape="1">
-          <a:blip r:embed="rId2">
+          <a:blip r:embed="rId4">
             <a:extLst>
+              <a:ext uri="{BEBA8EAE-BF5A-486C-A8C5-ECC9F3942E4B}">
+                <a14:imgProps xmlns:a14="http://schemas.microsoft.com/office/drawing/2010/main">
+                  <a14:imgLayer r:embed="rId5">
+                    <a14:imgEffect>
+                      <a14:backgroundRemoval t="2771" b="97874" l="9099" r="92403">
+                        <a14:foregroundMark x1="60424" y1="38080" x2="60424" y2="38080"/>
+                        <a14:foregroundMark x1="45583" y1="38080" x2="45583" y2="38080"/>
+                        <a14:foregroundMark x1="64929" y1="47874" x2="64929" y2="47874"/>
+                        <a14:backgroundMark x1="56007" y1="62564" x2="56007" y2="62564"/>
+                        <a14:backgroundMark x1="57509" y1="58763" x2="57509" y2="58763"/>
+                      </a14:backgroundRemoval>
+                    </a14:imgEffect>
+                  </a14:imgLayer>
+                </a14:imgProps>
+              </a:ext>
               <a:ext uri="{28A0092B-C50C-407E-A947-70E740481C1C}">
                 <a14:useLocalDpi xmlns:a14="http://schemas.microsoft.com/office/drawing/2010/main" val="0"/>
               </a:ext>
@@ -7280,7 +7355,7 @@
         </p:blipFill>
         <p:spPr>
           <a:xfrm>
-            <a:off x="1268462" y="3020533"/>
+            <a:off x="1272537" y="2993293"/>
             <a:ext cx="1194633" cy="1770689"/>
           </a:xfrm>
           <a:prstGeom prst="rect">
@@ -7297,11 +7372,11 @@
           <p:nvPr/>
         </p:nvPicPr>
         <p:blipFill>
-          <a:blip r:embed="rId3">
+          <a:blip r:embed="rId6">
             <a:extLst>
               <a:ext uri="{BEBA8EAE-BF5A-486C-A8C5-ECC9F3942E4B}">
                 <a14:imgProps xmlns:a14="http://schemas.microsoft.com/office/drawing/2010/main">
-                  <a14:imgLayer r:embed="rId4">
+                  <a14:imgLayer r:embed="rId7">
                     <a14:imgEffect>
                       <a14:backgroundRemoval t="989" b="96893" l="2251" r="99408">
                         <a14:foregroundMark x1="77073" y1="38559" x2="77073" y2="38559"/>
@@ -7369,7 +7444,7 @@
             <p:nvPr/>
           </p:nvPicPr>
           <p:blipFill rotWithShape="1">
-            <a:blip r:embed="rId5">
+            <a:blip r:embed="rId8">
               <a:extLst>
                 <a:ext uri="{28A0092B-C50C-407E-A947-70E740481C1C}">
                   <a14:useLocalDpi xmlns:a14="http://schemas.microsoft.com/office/drawing/2010/main" val="0"/>
@@ -7449,7 +7524,7 @@
             <p:nvPr/>
           </p:nvPicPr>
           <p:blipFill rotWithShape="1">
-            <a:blip r:embed="rId6">
+            <a:blip r:embed="rId9">
               <a:extLst>
                 <a:ext uri="{28A0092B-C50C-407E-A947-70E740481C1C}">
                   <a14:useLocalDpi xmlns:a14="http://schemas.microsoft.com/office/drawing/2010/main" val="0"/>
@@ -7506,35 +7581,6 @@
           </p:txBody>
         </p:sp>
       </p:grpSp>
-      <p:pic>
-        <p:nvPicPr>
-          <p:cNvPr id="15" name="Bild 14" descr="Bildschirmfoto 2015-12-05 um 12.58.08.png"/>
-          <p:cNvPicPr>
-            <a:picLocks noChangeAspect="1"/>
-          </p:cNvPicPr>
-          <p:nvPr/>
-        </p:nvPicPr>
-        <p:blipFill rotWithShape="1">
-          <a:blip r:embed="rId7">
-            <a:extLst>
-              <a:ext uri="{28A0092B-C50C-407E-A947-70E740481C1C}">
-                <a14:useLocalDpi xmlns:a14="http://schemas.microsoft.com/office/drawing/2010/main" val="0"/>
-              </a:ext>
-            </a:extLst>
-          </a:blip>
-          <a:srcRect r="15612"/>
-          <a:stretch/>
-        </p:blipFill>
-        <p:spPr>
-          <a:xfrm>
-            <a:off x="7402082" y="3428409"/>
-            <a:ext cx="833891" cy="1335573"/>
-          </a:xfrm>
-          <a:prstGeom prst="rect">
-            <a:avLst/>
-          </a:prstGeom>
-        </p:spPr>
-      </p:pic>
     </p:spTree>
     <p:extLst>
       <p:ext uri="{BB962C8B-B14F-4D97-AF65-F5344CB8AC3E}">
@@ -7885,13 +7931,13 @@
       </p:grpSp>
       <p:pic>
         <p:nvPicPr>
-          <p:cNvPr id="15" name="Bild 14" descr="Bildschirmfoto 2015-12-05 um 12.58.08.png"/>
+          <p:cNvPr id="14" name="Bild 13" descr="Bildschirmfoto 2015-12-05 um 12.57.40.png"/>
           <p:cNvPicPr>
             <a:picLocks noChangeAspect="1"/>
           </p:cNvPicPr>
           <p:nvPr/>
         </p:nvPicPr>
-        <p:blipFill rotWithShape="1">
+        <p:blipFill>
           <a:blip r:embed="rId6">
             <a:extLst>
               <a:ext uri="{28A0092B-C50C-407E-A947-70E740481C1C}">
@@ -7899,13 +7945,14 @@
               </a:ext>
             </a:extLst>
           </a:blip>
-          <a:srcRect r="15612"/>
-          <a:stretch/>
+          <a:stretch>
+            <a:fillRect/>
+          </a:stretch>
         </p:blipFill>
         <p:spPr>
           <a:xfrm>
-            <a:off x="7402082" y="3428409"/>
-            <a:ext cx="833891" cy="1335573"/>
+            <a:off x="3860642" y="2369592"/>
+            <a:ext cx="1422511" cy="2492657"/>
           </a:xfrm>
           <a:prstGeom prst="rect">
             <a:avLst/>
@@ -7914,7 +7961,7 @@
       </p:pic>
       <p:pic>
         <p:nvPicPr>
-          <p:cNvPr id="14" name="Bild 13" descr="Bildschirmfoto 2015-12-05 um 12.57.40.png"/>
+          <p:cNvPr id="13" name="Bild 12" descr="bosshappy.png"/>
           <p:cNvPicPr>
             <a:picLocks noChangeAspect="1"/>
           </p:cNvPicPr>
@@ -7934,8 +7981,8 @@
         </p:blipFill>
         <p:spPr>
           <a:xfrm>
-            <a:off x="3860642" y="2369592"/>
-            <a:ext cx="1422511" cy="2492657"/>
+            <a:off x="7402082" y="3428408"/>
+            <a:ext cx="985164" cy="1332000"/>
           </a:xfrm>
           <a:prstGeom prst="rect">
             <a:avLst/>
@@ -12049,7 +12096,7 @@
   <a:extraClrSchemeLst/>
   <a:extLst>
     <a:ext uri="{05A4C25C-085E-4340-85A3-A5531E510DB2}">
-      <thm15:themeFamily xmlns:thm15="http://schemas.microsoft.com/office/thememl/2012/main" xmlns="" name="Office Theme" id="{62F939B6-93AF-4DB8-9C6B-D6C7DFDC589F}" vid="{4A3C46E8-61CC-4603-A589-7422A47A8E4A}"/>
+      <thm15:themeFamily xmlns="" xmlns:thm15="http://schemas.microsoft.com/office/thememl/2012/main" name="Office Theme" id="{62F939B6-93AF-4DB8-9C6B-D6C7DFDC589F}" vid="{4A3C46E8-61CC-4603-A589-7422A47A8E4A}"/>
     </a:ext>
   </a:extLst>
 </a:theme>
